--- a/presentations/ep1000_digitalio/ep1000_digitalio.pptx
+++ b/presentations/ep1000_digitalio/ep1000_digitalio.pptx
@@ -5,7 +5,7 @@
     <p:sldMasterId id="2147483660" r:id="rId1"/>
   </p:sldMasterIdLst>
   <p:notesMasterIdLst>
-    <p:notesMasterId r:id="rId22"/>
+    <p:notesMasterId r:id="rId23"/>
   </p:notesMasterIdLst>
   <p:sldIdLst>
     <p:sldId id="256" r:id="rId2"/>
@@ -26,8 +26,9 @@
     <p:sldId id="288" r:id="rId17"/>
     <p:sldId id="289" r:id="rId18"/>
     <p:sldId id="290" r:id="rId19"/>
-    <p:sldId id="291" r:id="rId20"/>
-    <p:sldId id="259" r:id="rId21"/>
+    <p:sldId id="292" r:id="rId20"/>
+    <p:sldId id="291" r:id="rId21"/>
+    <p:sldId id="259" r:id="rId22"/>
   </p:sldIdLst>
   <p:sldSz cx="9144000" cy="6858000" type="screen4x3"/>
   <p:notesSz cx="6858000" cy="9144000"/>
@@ -216,7 +217,7 @@
           <a:p>
             <a:fld id="{2A875741-58CA-43A4-9946-B635E52C5CD8}" type="datetimeFigureOut">
               <a:rPr lang="en-US" smtClean="0"/>
-              <a:t>6/3/2021</a:t>
+              <a:t>6/4/2021</a:t>
             </a:fld>
             <a:endParaRPr lang="en-US"/>
           </a:p>
@@ -626,7 +627,7 @@
           <a:p>
             <a:fld id="{9665C769-D7C3-4E51-9622-EB882B1C6B88}" type="datetime1">
               <a:rPr lang="en-US" smtClean="0"/>
-              <a:t>6/3/2021</a:t>
+              <a:t>6/4/2021</a:t>
             </a:fld>
             <a:endParaRPr lang="en-US"/>
           </a:p>
@@ -820,7 +821,7 @@
           <a:p>
             <a:fld id="{AC2FA8F2-92AD-4DF3-BB80-1A576E4607C5}" type="datetime1">
               <a:rPr lang="en-US" smtClean="0"/>
-              <a:t>6/3/2021</a:t>
+              <a:t>6/4/2021</a:t>
             </a:fld>
             <a:endParaRPr lang="en-US"/>
           </a:p>
@@ -1019,7 +1020,7 @@
           <a:p>
             <a:fld id="{FF161318-0D48-4B52-BC2D-A0EA8E79725D}" type="datetime1">
               <a:rPr lang="en-US" smtClean="0"/>
-              <a:t>6/3/2021</a:t>
+              <a:t>6/4/2021</a:t>
             </a:fld>
             <a:endParaRPr lang="en-US"/>
           </a:p>
@@ -1213,7 +1214,7 @@
           <a:p>
             <a:fld id="{828929F4-2E32-48E9-8E95-ABAA8EAAF6A9}" type="datetime1">
               <a:rPr lang="en-US" smtClean="0"/>
-              <a:t>6/3/2021</a:t>
+              <a:t>6/4/2021</a:t>
             </a:fld>
             <a:endParaRPr lang="en-US"/>
           </a:p>
@@ -1476,7 +1477,7 @@
           <a:p>
             <a:fld id="{4D668969-C21F-428C-9E53-8D921FF4543A}" type="datetime1">
               <a:rPr lang="en-US" smtClean="0"/>
-              <a:t>6/3/2021</a:t>
+              <a:t>6/4/2021</a:t>
             </a:fld>
             <a:endParaRPr lang="en-US"/>
           </a:p>
@@ -1730,7 +1731,7 @@
           <a:p>
             <a:fld id="{01FB22A5-6159-4D69-BFEE-F4892803599C}" type="datetime1">
               <a:rPr lang="en-US" smtClean="0"/>
-              <a:t>6/3/2021</a:t>
+              <a:t>6/4/2021</a:t>
             </a:fld>
             <a:endParaRPr lang="en-US"/>
           </a:p>
@@ -2124,7 +2125,7 @@
           <a:p>
             <a:fld id="{738CC944-9765-440C-9A18-3DC1DA37440E}" type="datetime1">
               <a:rPr lang="en-US" smtClean="0"/>
-              <a:t>6/3/2021</a:t>
+              <a:t>6/4/2021</a:t>
             </a:fld>
             <a:endParaRPr lang="en-US"/>
           </a:p>
@@ -2258,7 +2259,7 @@
           <a:p>
             <a:fld id="{D8661C67-BB8E-4D16-A78D-460AAF94A53C}" type="datetime1">
               <a:rPr lang="en-US" smtClean="0"/>
-              <a:t>6/3/2021</a:t>
+              <a:t>6/4/2021</a:t>
             </a:fld>
             <a:endParaRPr lang="en-US"/>
           </a:p>
@@ -2369,7 +2370,7 @@
           <a:p>
             <a:fld id="{DBBC12E8-4105-456C-A90A-AF2362FB188F}" type="datetime1">
               <a:rPr lang="en-US" smtClean="0"/>
-              <a:t>6/3/2021</a:t>
+              <a:t>6/4/2021</a:t>
             </a:fld>
             <a:endParaRPr lang="en-US"/>
           </a:p>
@@ -2668,7 +2669,7 @@
           <a:p>
             <a:fld id="{11FD4DDA-56B2-4B92-884C-68E9C78E3003}" type="datetime1">
               <a:rPr lang="en-US" smtClean="0"/>
-              <a:t>6/3/2021</a:t>
+              <a:t>6/4/2021</a:t>
             </a:fld>
             <a:endParaRPr lang="en-US"/>
           </a:p>
@@ -2947,7 +2948,7 @@
           <a:p>
             <a:fld id="{750461B4-47C4-4F2C-98A2-225FD39D225C}" type="datetime1">
               <a:rPr lang="en-US" smtClean="0"/>
-              <a:t>6/3/2021</a:t>
+              <a:t>6/4/2021</a:t>
             </a:fld>
             <a:endParaRPr lang="en-US"/>
           </a:p>
@@ -5134,8 +5135,8 @@
         </p:nvSpPr>
         <p:spPr>
           <a:xfrm>
-            <a:off x="628650" y="4402763"/>
-            <a:ext cx="7886700" cy="1852809"/>
+            <a:off x="628650" y="5101584"/>
+            <a:ext cx="7886700" cy="1378911"/>
           </a:xfrm>
         </p:spPr>
         <p:txBody>
@@ -5143,22 +5144,30 @@
           <a:lstStyle/>
           <a:p>
             <a:r>
-              <a:rPr lang="en-SG" sz="2000" dirty="0"/>
-              <a:t>We keep reading the PBSW taking note of the digital values</a:t>
-            </a:r>
-          </a:p>
-          <a:p>
-            <a:r>
-              <a:rPr lang="en-SG" sz="2000" dirty="0"/>
+              <a:rPr lang="en-SG" sz="1600" dirty="0"/>
+              <a:t>We keep reading the PBSW taking note of the </a:t>
+            </a:r>
+            <a:r>
+              <a:rPr lang="en-SG" sz="1600" dirty="0" err="1"/>
+              <a:t>PBswitch</a:t>
+            </a:r>
+            <a:r>
+              <a:rPr lang="en-SG" sz="1600" dirty="0"/>
+              <a:t> value</a:t>
+            </a:r>
+          </a:p>
+          <a:p>
+            <a:r>
+              <a:rPr lang="en-SG" sz="1600" dirty="0"/>
               <a:t>We maintain the state so that we know which part of the sequence we are currently in and when the PBSW returns to normal</a:t>
             </a:r>
           </a:p>
           <a:p>
             <a:r>
-              <a:rPr lang="en-SG" sz="2000" dirty="0"/>
+              <a:rPr lang="en-SG" sz="1600" dirty="0"/>
               <a:t>Register the entire sequence as a single push.</a:t>
             </a:r>
-            <a:endParaRPr lang="en-US" sz="2000" dirty="0"/>
+            <a:endParaRPr lang="en-US" sz="1600" dirty="0"/>
           </a:p>
         </p:txBody>
       </p:sp>
@@ -5193,10 +5202,10 @@
       </p:sp>
       <p:grpSp>
         <p:nvGrpSpPr>
-          <p:cNvPr id="63" name="Group 62">
+          <p:cNvPr id="34" name="Group 33">
             <a:extLst>
               <a:ext uri="{FF2B5EF4-FFF2-40B4-BE49-F238E27FC236}">
-                <a16:creationId xmlns:a16="http://schemas.microsoft.com/office/drawing/2014/main" id="{BE2A5568-A6D0-46AC-985A-CE1253A663CB}"/>
+                <a16:creationId xmlns:a16="http://schemas.microsoft.com/office/drawing/2014/main" id="{0B605237-33D7-491D-9992-4822626E0AAF}"/>
               </a:ext>
             </a:extLst>
           </p:cNvPr>
@@ -5205,18 +5214,18 @@
         </p:nvGrpSpPr>
         <p:grpSpPr>
           <a:xfrm>
-            <a:off x="1123369" y="1627626"/>
-            <a:ext cx="6440991" cy="2601474"/>
-            <a:chOff x="723319" y="1399026"/>
-            <a:chExt cx="6440991" cy="2601474"/>
+            <a:off x="819465" y="1394719"/>
+            <a:ext cx="6404295" cy="3287009"/>
+            <a:chOff x="2693985" y="551863"/>
+            <a:chExt cx="6840807" cy="3514704"/>
           </a:xfrm>
         </p:grpSpPr>
         <p:grpSp>
           <p:nvGrpSpPr>
-            <p:cNvPr id="33" name="Group 32">
+            <p:cNvPr id="37" name="Group 36">
               <a:extLst>
                 <a:ext uri="{FF2B5EF4-FFF2-40B4-BE49-F238E27FC236}">
-                  <a16:creationId xmlns:a16="http://schemas.microsoft.com/office/drawing/2014/main" id="{C745EF8E-2003-4417-A05A-E7392D672B04}"/>
+                  <a16:creationId xmlns:a16="http://schemas.microsoft.com/office/drawing/2014/main" id="{99FBE7F3-A4B8-4074-8C61-049CF62C3E45}"/>
                 </a:ext>
               </a:extLst>
             </p:cNvPr>
@@ -5225,7 +5234,7 @@
           </p:nvGrpSpPr>
           <p:grpSpPr>
             <a:xfrm>
-              <a:off x="1321945" y="1932398"/>
+              <a:off x="3292611" y="1235841"/>
               <a:ext cx="5032554" cy="1205502"/>
               <a:chOff x="863029" y="2465798"/>
               <a:chExt cx="5032554" cy="1205502"/>
@@ -5233,10 +5242,10 @@
           </p:grpSpPr>
           <p:cxnSp>
             <p:nvCxnSpPr>
-              <p:cNvPr id="7" name="Straight Connector 6">
+              <p:cNvPr id="82" name="Straight Connector 81">
                 <a:extLst>
                   <a:ext uri="{FF2B5EF4-FFF2-40B4-BE49-F238E27FC236}">
-                    <a16:creationId xmlns:a16="http://schemas.microsoft.com/office/drawing/2014/main" id="{C82EC673-493D-4CEE-8285-5BBE70E827A1}"/>
+                    <a16:creationId xmlns:a16="http://schemas.microsoft.com/office/drawing/2014/main" id="{1D610FFC-7ADF-4796-90C5-70299D563527}"/>
                   </a:ext>
                 </a:extLst>
               </p:cNvPr>
@@ -5270,10 +5279,10 @@
           </p:cxnSp>
           <p:cxnSp>
             <p:nvCxnSpPr>
-              <p:cNvPr id="8" name="Straight Connector 7">
+              <p:cNvPr id="83" name="Straight Connector 82">
                 <a:extLst>
                   <a:ext uri="{FF2B5EF4-FFF2-40B4-BE49-F238E27FC236}">
-                    <a16:creationId xmlns:a16="http://schemas.microsoft.com/office/drawing/2014/main" id="{2CC6AA63-624A-4F00-8C89-0FDAAFEB0ACC}"/>
+                    <a16:creationId xmlns:a16="http://schemas.microsoft.com/office/drawing/2014/main" id="{6FD0F126-4157-4366-9A68-026DBBEC081B}"/>
                   </a:ext>
                 </a:extLst>
               </p:cNvPr>
@@ -5309,10 +5318,10 @@
           </p:cxnSp>
           <p:cxnSp>
             <p:nvCxnSpPr>
-              <p:cNvPr id="12" name="Straight Connector 11">
+              <p:cNvPr id="84" name="Straight Connector 83">
                 <a:extLst>
                   <a:ext uri="{FF2B5EF4-FFF2-40B4-BE49-F238E27FC236}">
-                    <a16:creationId xmlns:a16="http://schemas.microsoft.com/office/drawing/2014/main" id="{CE9BA68A-FB40-430F-8087-6669871810FB}"/>
+                    <a16:creationId xmlns:a16="http://schemas.microsoft.com/office/drawing/2014/main" id="{342CF88A-AA77-4AB3-BB4E-EB6C7CC5A08D}"/>
                   </a:ext>
                 </a:extLst>
               </p:cNvPr>
@@ -5348,10 +5357,10 @@
           </p:cxnSp>
           <p:cxnSp>
             <p:nvCxnSpPr>
-              <p:cNvPr id="13" name="Straight Connector 12">
+              <p:cNvPr id="85" name="Straight Connector 84">
                 <a:extLst>
                   <a:ext uri="{FF2B5EF4-FFF2-40B4-BE49-F238E27FC236}">
-                    <a16:creationId xmlns:a16="http://schemas.microsoft.com/office/drawing/2014/main" id="{77D2E024-D31F-461C-B8C3-EF4D589AD71A}"/>
+                    <a16:creationId xmlns:a16="http://schemas.microsoft.com/office/drawing/2014/main" id="{B8D18731-F7DC-4AF3-A2B2-21B96E9DD924}"/>
                   </a:ext>
                 </a:extLst>
               </p:cNvPr>
@@ -5387,10 +5396,10 @@
           </p:cxnSp>
           <p:cxnSp>
             <p:nvCxnSpPr>
-              <p:cNvPr id="18" name="Straight Connector 17">
+              <p:cNvPr id="86" name="Straight Connector 85">
                 <a:extLst>
                   <a:ext uri="{FF2B5EF4-FFF2-40B4-BE49-F238E27FC236}">
-                    <a16:creationId xmlns:a16="http://schemas.microsoft.com/office/drawing/2014/main" id="{6710401B-4FC9-4099-975F-492CA682B6A1}"/>
+                    <a16:creationId xmlns:a16="http://schemas.microsoft.com/office/drawing/2014/main" id="{02FF8FFF-DCD7-49DC-B9C1-FDCAE63CF41A}"/>
                   </a:ext>
                 </a:extLst>
               </p:cNvPr>
@@ -5426,10 +5435,10 @@
           </p:cxnSp>
           <p:cxnSp>
             <p:nvCxnSpPr>
-              <p:cNvPr id="20" name="Straight Connector 19">
+              <p:cNvPr id="87" name="Straight Connector 86">
                 <a:extLst>
                   <a:ext uri="{FF2B5EF4-FFF2-40B4-BE49-F238E27FC236}">
-                    <a16:creationId xmlns:a16="http://schemas.microsoft.com/office/drawing/2014/main" id="{968D5691-EEBE-4732-AF7B-2FB913CD1AD4}"/>
+                    <a16:creationId xmlns:a16="http://schemas.microsoft.com/office/drawing/2014/main" id="{50959C6B-E485-4959-A47D-CC405363E305}"/>
                   </a:ext>
                 </a:extLst>
               </p:cNvPr>
@@ -5465,10 +5474,10 @@
           </p:cxnSp>
           <p:cxnSp>
             <p:nvCxnSpPr>
-              <p:cNvPr id="23" name="Straight Connector 22">
+              <p:cNvPr id="88" name="Straight Connector 87">
                 <a:extLst>
                   <a:ext uri="{FF2B5EF4-FFF2-40B4-BE49-F238E27FC236}">
-                    <a16:creationId xmlns:a16="http://schemas.microsoft.com/office/drawing/2014/main" id="{F70C88F4-C846-4BCB-9EF0-6ACB04ED529B}"/>
+                    <a16:creationId xmlns:a16="http://schemas.microsoft.com/office/drawing/2014/main" id="{E309F25C-B029-4EB0-9F7F-9FC7C461D2DD}"/>
                   </a:ext>
                 </a:extLst>
               </p:cNvPr>
@@ -5504,10 +5513,10 @@
           </p:cxnSp>
           <p:cxnSp>
             <p:nvCxnSpPr>
-              <p:cNvPr id="25" name="Straight Connector 24">
+              <p:cNvPr id="89" name="Straight Connector 88">
                 <a:extLst>
                   <a:ext uri="{FF2B5EF4-FFF2-40B4-BE49-F238E27FC236}">
-                    <a16:creationId xmlns:a16="http://schemas.microsoft.com/office/drawing/2014/main" id="{E02D4755-D314-4907-A44C-6273B9AF2F19}"/>
+                    <a16:creationId xmlns:a16="http://schemas.microsoft.com/office/drawing/2014/main" id="{CDDD2579-E3F1-4EEE-8DCE-A206B7102362}"/>
                   </a:ext>
                 </a:extLst>
               </p:cNvPr>
@@ -5543,10 +5552,10 @@
           </p:cxnSp>
           <p:cxnSp>
             <p:nvCxnSpPr>
-              <p:cNvPr id="27" name="Straight Connector 26">
+              <p:cNvPr id="90" name="Straight Connector 89">
                 <a:extLst>
                   <a:ext uri="{FF2B5EF4-FFF2-40B4-BE49-F238E27FC236}">
-                    <a16:creationId xmlns:a16="http://schemas.microsoft.com/office/drawing/2014/main" id="{A274694A-2A57-4BE4-B81C-C6A5D5E0FD4A}"/>
+                    <a16:creationId xmlns:a16="http://schemas.microsoft.com/office/drawing/2014/main" id="{C9F2321B-98CB-43DA-ADA9-9CCFE28B8D16}"/>
                   </a:ext>
                 </a:extLst>
               </p:cNvPr>
@@ -5582,10 +5591,10 @@
           </p:cxnSp>
           <p:cxnSp>
             <p:nvCxnSpPr>
-              <p:cNvPr id="29" name="Straight Connector 28">
+              <p:cNvPr id="91" name="Straight Connector 90">
                 <a:extLst>
                   <a:ext uri="{FF2B5EF4-FFF2-40B4-BE49-F238E27FC236}">
-                    <a16:creationId xmlns:a16="http://schemas.microsoft.com/office/drawing/2014/main" id="{A9BBC60D-DF7F-49AA-BF67-C354BBA9DFF0}"/>
+                    <a16:creationId xmlns:a16="http://schemas.microsoft.com/office/drawing/2014/main" id="{16F3BA3E-4B8B-4B87-A23E-8CC4DCBE17C9}"/>
                   </a:ext>
                 </a:extLst>
               </p:cNvPr>
@@ -5621,10 +5630,10 @@
           </p:cxnSp>
           <p:cxnSp>
             <p:nvCxnSpPr>
-              <p:cNvPr id="31" name="Straight Connector 30">
+              <p:cNvPr id="92" name="Straight Connector 91">
                 <a:extLst>
                   <a:ext uri="{FF2B5EF4-FFF2-40B4-BE49-F238E27FC236}">
-                    <a16:creationId xmlns:a16="http://schemas.microsoft.com/office/drawing/2014/main" id="{1515DA54-AD93-4000-B312-B14F6CE28A0B}"/>
+                    <a16:creationId xmlns:a16="http://schemas.microsoft.com/office/drawing/2014/main" id="{AFBA9AE9-6AE3-47F8-8495-018EC71AAB74}"/>
                   </a:ext>
                 </a:extLst>
               </p:cNvPr>
@@ -5659,22 +5668,22 @@
         </p:grpSp>
         <p:cxnSp>
           <p:nvCxnSpPr>
-            <p:cNvPr id="35" name="Straight Connector 34">
+            <p:cNvPr id="38" name="Straight Connector 37">
               <a:extLst>
                 <a:ext uri="{FF2B5EF4-FFF2-40B4-BE49-F238E27FC236}">
-                  <a16:creationId xmlns:a16="http://schemas.microsoft.com/office/drawing/2014/main" id="{87BE83C7-956D-4EFD-AFF5-A0CAF45E6373}"/>
+                  <a16:creationId xmlns:a16="http://schemas.microsoft.com/office/drawing/2014/main" id="{8B63AB9C-4453-490A-A546-E17B4E5ED624}"/>
                 </a:ext>
               </a:extLst>
             </p:cNvPr>
             <p:cNvCxnSpPr>
               <a:cxnSpLocks/>
-              <a:endCxn id="36" idx="1"/>
+              <a:endCxn id="41" idx="1"/>
             </p:cNvCxnSpPr>
             <p:nvPr/>
           </p:nvCxnSpPr>
           <p:spPr>
             <a:xfrm flipV="1">
-              <a:off x="1321945" y="2567681"/>
+              <a:off x="3292611" y="1871124"/>
               <a:ext cx="4152531" cy="12112"/>
             </a:xfrm>
             <a:prstGeom prst="line">
@@ -5701,10 +5710,10 @@
         </p:cxnSp>
         <p:sp>
           <p:nvSpPr>
-            <p:cNvPr id="36" name="TextBox 35">
+            <p:cNvPr id="41" name="TextBox 40">
               <a:extLst>
                 <a:ext uri="{FF2B5EF4-FFF2-40B4-BE49-F238E27FC236}">
-                  <a16:creationId xmlns:a16="http://schemas.microsoft.com/office/drawing/2014/main" id="{F5E2818C-26E0-40D6-96A0-BECAB4D9D535}"/>
+                  <a16:creationId xmlns:a16="http://schemas.microsoft.com/office/drawing/2014/main" id="{9AEEB0C7-289B-4A4C-A542-6262B79D0F07}"/>
                 </a:ext>
               </a:extLst>
             </p:cNvPr>
@@ -5713,7 +5722,7 @@
           </p:nvSpPr>
           <p:spPr>
             <a:xfrm>
-              <a:off x="5474476" y="2398404"/>
+              <a:off x="7445142" y="1701847"/>
               <a:ext cx="983474" cy="338554"/>
             </a:xfrm>
             <a:prstGeom prst="rect">
@@ -5738,10 +5747,10 @@
         </p:sp>
         <p:sp>
           <p:nvSpPr>
-            <p:cNvPr id="39" name="TextBox 38">
+            <p:cNvPr id="45" name="TextBox 44">
               <a:extLst>
                 <a:ext uri="{FF2B5EF4-FFF2-40B4-BE49-F238E27FC236}">
-                  <a16:creationId xmlns:a16="http://schemas.microsoft.com/office/drawing/2014/main" id="{28FEF003-A9F5-4B9F-B045-12A5491A66E7}"/>
+                  <a16:creationId xmlns:a16="http://schemas.microsoft.com/office/drawing/2014/main" id="{4051E72F-180E-4CA2-9037-324F21CB6515}"/>
                 </a:ext>
               </a:extLst>
             </p:cNvPr>
@@ -5750,7 +5759,7 @@
           </p:nvSpPr>
           <p:spPr>
             <a:xfrm>
-              <a:off x="723319" y="1763795"/>
+              <a:off x="2693985" y="1067238"/>
               <a:ext cx="513282" cy="276999"/>
             </a:xfrm>
             <a:prstGeom prst="rect">
@@ -5775,10 +5784,10 @@
         </p:sp>
         <p:sp>
           <p:nvSpPr>
-            <p:cNvPr id="40" name="TextBox 39">
+            <p:cNvPr id="46" name="TextBox 45">
               <a:extLst>
                 <a:ext uri="{FF2B5EF4-FFF2-40B4-BE49-F238E27FC236}">
-                  <a16:creationId xmlns:a16="http://schemas.microsoft.com/office/drawing/2014/main" id="{68AC04A2-FA75-406E-9CAC-1DED0C0B8640}"/>
+                  <a16:creationId xmlns:a16="http://schemas.microsoft.com/office/drawing/2014/main" id="{B9B5AE91-922A-426E-B2E6-08E30EF89760}"/>
                 </a:ext>
               </a:extLst>
             </p:cNvPr>
@@ -5787,7 +5796,7 @@
           </p:nvSpPr>
           <p:spPr>
             <a:xfrm>
-              <a:off x="723319" y="2877417"/>
+              <a:off x="2693985" y="2180860"/>
               <a:ext cx="482568" cy="276999"/>
             </a:xfrm>
             <a:prstGeom prst="rect">
@@ -5812,10 +5821,10 @@
         </p:sp>
         <p:grpSp>
           <p:nvGrpSpPr>
-            <p:cNvPr id="44" name="Group 43">
+            <p:cNvPr id="50" name="Group 49">
               <a:extLst>
                 <a:ext uri="{FF2B5EF4-FFF2-40B4-BE49-F238E27FC236}">
-                  <a16:creationId xmlns:a16="http://schemas.microsoft.com/office/drawing/2014/main" id="{1B6589E3-671E-4E15-AF16-695B5D27D632}"/>
+                  <a16:creationId xmlns:a16="http://schemas.microsoft.com/office/drawing/2014/main" id="{984CE780-5F34-4FD1-BD96-E660B506B094}"/>
                 </a:ext>
               </a:extLst>
             </p:cNvPr>
@@ -5824,18 +5833,18 @@
           </p:nvGrpSpPr>
           <p:grpSpPr>
             <a:xfrm>
-              <a:off x="2411006" y="1399026"/>
-              <a:ext cx="2668803" cy="338554"/>
+              <a:off x="4381672" y="551863"/>
+              <a:ext cx="2980157" cy="338554"/>
               <a:chOff x="2005258" y="3748475"/>
               <a:chExt cx="2668803" cy="338554"/>
             </a:xfrm>
           </p:grpSpPr>
           <p:cxnSp>
             <p:nvCxnSpPr>
-              <p:cNvPr id="42" name="Straight Arrow Connector 41">
+              <p:cNvPr id="80" name="Straight Arrow Connector 79">
                 <a:extLst>
                   <a:ext uri="{FF2B5EF4-FFF2-40B4-BE49-F238E27FC236}">
-                    <a16:creationId xmlns:a16="http://schemas.microsoft.com/office/drawing/2014/main" id="{79A232ED-6AFF-4C10-BA90-E6877368673B}"/>
+                    <a16:creationId xmlns:a16="http://schemas.microsoft.com/office/drawing/2014/main" id="{D637F5F2-AE5A-4E78-A374-854E92D378B6}"/>
                   </a:ext>
                 </a:extLst>
               </p:cNvPr>
@@ -5875,10 +5884,10 @@
           </p:cxnSp>
           <p:sp>
             <p:nvSpPr>
-              <p:cNvPr id="43" name="TextBox 42">
+              <p:cNvPr id="81" name="TextBox 80">
                 <a:extLst>
                   <a:ext uri="{FF2B5EF4-FFF2-40B4-BE49-F238E27FC236}">
-                    <a16:creationId xmlns:a16="http://schemas.microsoft.com/office/drawing/2014/main" id="{6BEC3495-C579-4F5C-A815-F5B879906F6E}"/>
+                    <a16:creationId xmlns:a16="http://schemas.microsoft.com/office/drawing/2014/main" id="{455F6C32-DC7D-4E1E-8799-C47319372EEB}"/>
                   </a:ext>
                 </a:extLst>
               </p:cNvPr>
@@ -5911,268 +5920,247 @@
             </p:txBody>
           </p:sp>
         </p:grpSp>
-        <p:grpSp>
-          <p:nvGrpSpPr>
-            <p:cNvPr id="55" name="Group 54">
+        <p:sp>
+          <p:nvSpPr>
+            <p:cNvPr id="53" name="Rectangle: Rounded Corners 52">
               <a:extLst>
                 <a:ext uri="{FF2B5EF4-FFF2-40B4-BE49-F238E27FC236}">
-                  <a16:creationId xmlns:a16="http://schemas.microsoft.com/office/drawing/2014/main" id="{25E2E49D-AFFC-43CE-8606-9A1F6A96F67D}"/>
+                  <a16:creationId xmlns:a16="http://schemas.microsoft.com/office/drawing/2014/main" id="{F1FD1B11-CDBF-442B-BB46-4594F440A8CF}"/>
                 </a:ext>
               </a:extLst>
             </p:cNvPr>
-            <p:cNvGrpSpPr/>
+            <p:cNvSpPr/>
             <p:nvPr/>
-          </p:nvGrpSpPr>
-          <p:grpSpPr>
+          </p:nvSpPr>
+          <p:spPr>
             <a:xfrm>
-              <a:off x="2071413" y="3343275"/>
-              <a:ext cx="3785464" cy="383214"/>
-              <a:chOff x="1612497" y="3952875"/>
-              <a:chExt cx="3785464" cy="383214"/>
+              <a:off x="3418134" y="2646718"/>
+              <a:ext cx="658092" cy="383214"/>
             </a:xfrm>
-          </p:grpSpPr>
-          <p:sp>
-            <p:nvSpPr>
-              <p:cNvPr id="47" name="Rectangle: Rounded Corners 46">
-                <a:extLst>
-                  <a:ext uri="{FF2B5EF4-FFF2-40B4-BE49-F238E27FC236}">
-                    <a16:creationId xmlns:a16="http://schemas.microsoft.com/office/drawing/2014/main" id="{734D307F-6ECB-45C2-9716-9787F1E777C5}"/>
-                  </a:ext>
-                </a:extLst>
-              </p:cNvPr>
-              <p:cNvSpPr/>
-              <p:nvPr/>
-            </p:nvSpPr>
-            <p:spPr>
-              <a:xfrm>
-                <a:off x="1612497" y="3952875"/>
-                <a:ext cx="658092" cy="383214"/>
-              </a:xfrm>
-              <a:prstGeom prst="roundRect">
-                <a:avLst/>
-              </a:prstGeom>
-            </p:spPr>
-            <p:style>
-              <a:lnRef idx="2">
-                <a:schemeClr val="accent1">
-                  <a:shade val="50000"/>
-                </a:schemeClr>
-              </a:lnRef>
-              <a:fillRef idx="1">
-                <a:schemeClr val="accent1"/>
-              </a:fillRef>
-              <a:effectRef idx="0">
-                <a:schemeClr val="accent1"/>
-              </a:effectRef>
-              <a:fontRef idx="minor">
-                <a:schemeClr val="lt1"/>
-              </a:fontRef>
-            </p:style>
-            <p:txBody>
-              <a:bodyPr rtlCol="0" anchor="ctr"/>
-              <a:lstStyle/>
-              <a:p>
-                <a:pPr algn="ctr"/>
-                <a:r>
-                  <a:rPr lang="en-SG" sz="1400" dirty="0"/>
-                  <a:t>HIGH</a:t>
-                </a:r>
-                <a:endParaRPr lang="en-US" sz="1400" dirty="0"/>
-              </a:p>
-            </p:txBody>
-          </p:sp>
-          <p:sp>
-            <p:nvSpPr>
-              <p:cNvPr id="48" name="Rectangle: Rounded Corners 47">
-                <a:extLst>
-                  <a:ext uri="{FF2B5EF4-FFF2-40B4-BE49-F238E27FC236}">
-                    <a16:creationId xmlns:a16="http://schemas.microsoft.com/office/drawing/2014/main" id="{6944A288-5FA6-4A59-9B4E-A41300029060}"/>
-                  </a:ext>
-                </a:extLst>
-              </p:cNvPr>
-              <p:cNvSpPr/>
-              <p:nvPr/>
-            </p:nvSpPr>
-            <p:spPr>
-              <a:xfrm>
-                <a:off x="3132209" y="3952875"/>
-                <a:ext cx="723900" cy="383214"/>
-              </a:xfrm>
-              <a:prstGeom prst="roundRect">
-                <a:avLst/>
-              </a:prstGeom>
-            </p:spPr>
-            <p:style>
-              <a:lnRef idx="2">
-                <a:schemeClr val="accent1">
-                  <a:shade val="50000"/>
-                </a:schemeClr>
-              </a:lnRef>
-              <a:fillRef idx="1">
-                <a:schemeClr val="accent1"/>
-              </a:fillRef>
-              <a:effectRef idx="0">
-                <a:schemeClr val="accent1"/>
-              </a:effectRef>
-              <a:fontRef idx="minor">
-                <a:schemeClr val="lt1"/>
-              </a:fontRef>
-            </p:style>
-            <p:txBody>
-              <a:bodyPr rtlCol="0" anchor="ctr"/>
-              <a:lstStyle/>
-              <a:p>
-                <a:pPr algn="ctr"/>
-                <a:r>
-                  <a:rPr lang="en-SG" sz="1400" dirty="0"/>
-                  <a:t>LOW</a:t>
-                </a:r>
-                <a:endParaRPr lang="en-US" sz="1400" dirty="0"/>
-              </a:p>
-            </p:txBody>
-          </p:sp>
-          <p:sp>
-            <p:nvSpPr>
-              <p:cNvPr id="49" name="Rectangle: Rounded Corners 48">
-                <a:extLst>
-                  <a:ext uri="{FF2B5EF4-FFF2-40B4-BE49-F238E27FC236}">
-                    <a16:creationId xmlns:a16="http://schemas.microsoft.com/office/drawing/2014/main" id="{FEDCE50D-8B33-4586-B4B4-ABAC133A1F69}"/>
-                  </a:ext>
-                </a:extLst>
-              </p:cNvPr>
-              <p:cNvSpPr/>
-              <p:nvPr/>
-            </p:nvSpPr>
-            <p:spPr>
-              <a:xfrm>
-                <a:off x="4674061" y="3952875"/>
-                <a:ext cx="723900" cy="383214"/>
-              </a:xfrm>
-              <a:prstGeom prst="roundRect">
-                <a:avLst/>
-              </a:prstGeom>
-            </p:spPr>
-            <p:style>
-              <a:lnRef idx="2">
-                <a:schemeClr val="accent1">
-                  <a:shade val="50000"/>
-                </a:schemeClr>
-              </a:lnRef>
-              <a:fillRef idx="1">
-                <a:schemeClr val="accent1"/>
-              </a:fillRef>
-              <a:effectRef idx="0">
-                <a:schemeClr val="accent1"/>
-              </a:effectRef>
-              <a:fontRef idx="minor">
-                <a:schemeClr val="lt1"/>
-              </a:fontRef>
-            </p:style>
-            <p:txBody>
-              <a:bodyPr rtlCol="0" anchor="ctr"/>
-              <a:lstStyle/>
-              <a:p>
-                <a:pPr algn="ctr"/>
-                <a:r>
-                  <a:rPr lang="en-SG" sz="1400" dirty="0"/>
-                  <a:t>HIGH</a:t>
-                </a:r>
-                <a:endParaRPr lang="en-US" sz="1400" dirty="0"/>
-              </a:p>
-            </p:txBody>
-          </p:sp>
-          <p:cxnSp>
-            <p:nvCxnSpPr>
-              <p:cNvPr id="51" name="Straight Arrow Connector 50">
-                <a:extLst>
-                  <a:ext uri="{FF2B5EF4-FFF2-40B4-BE49-F238E27FC236}">
-                    <a16:creationId xmlns:a16="http://schemas.microsoft.com/office/drawing/2014/main" id="{B88B4B20-A3A1-4CC7-8D6F-0BAB41642D55}"/>
-                  </a:ext>
-                </a:extLst>
-              </p:cNvPr>
-              <p:cNvCxnSpPr>
-                <a:stCxn id="47" idx="3"/>
-                <a:endCxn id="48" idx="1"/>
-              </p:cNvCxnSpPr>
-              <p:nvPr/>
-            </p:nvCxnSpPr>
-            <p:spPr>
-              <a:xfrm>
-                <a:off x="2270589" y="4144482"/>
-                <a:ext cx="861620" cy="0"/>
-              </a:xfrm>
-              <a:prstGeom prst="straightConnector1">
-                <a:avLst/>
-              </a:prstGeom>
-              <a:ln>
-                <a:tailEnd type="triangle"/>
-              </a:ln>
-            </p:spPr>
-            <p:style>
-              <a:lnRef idx="1">
-                <a:schemeClr val="accent1"/>
-              </a:lnRef>
-              <a:fillRef idx="0">
-                <a:schemeClr val="accent1"/>
-              </a:fillRef>
-              <a:effectRef idx="0">
-                <a:schemeClr val="accent1"/>
-              </a:effectRef>
-              <a:fontRef idx="minor">
-                <a:schemeClr val="tx1"/>
-              </a:fontRef>
-            </p:style>
-          </p:cxnSp>
-          <p:cxnSp>
-            <p:nvCxnSpPr>
-              <p:cNvPr id="52" name="Straight Arrow Connector 51">
-                <a:extLst>
-                  <a:ext uri="{FF2B5EF4-FFF2-40B4-BE49-F238E27FC236}">
-                    <a16:creationId xmlns:a16="http://schemas.microsoft.com/office/drawing/2014/main" id="{B1974598-2CFC-43AE-B961-6DBFE5B99ABF}"/>
-                  </a:ext>
-                </a:extLst>
-              </p:cNvPr>
-              <p:cNvCxnSpPr>
-                <a:cxnSpLocks/>
-                <a:stCxn id="48" idx="3"/>
-                <a:endCxn id="49" idx="1"/>
-              </p:cNvCxnSpPr>
-              <p:nvPr/>
-            </p:nvCxnSpPr>
-            <p:spPr>
-              <a:xfrm>
-                <a:off x="3856109" y="4144482"/>
-                <a:ext cx="817952" cy="0"/>
-              </a:xfrm>
-              <a:prstGeom prst="straightConnector1">
-                <a:avLst/>
-              </a:prstGeom>
-              <a:ln>
-                <a:tailEnd type="triangle"/>
-              </a:ln>
-            </p:spPr>
-            <p:style>
-              <a:lnRef idx="1">
-                <a:schemeClr val="accent1"/>
-              </a:lnRef>
-              <a:fillRef idx="0">
-                <a:schemeClr val="accent1"/>
-              </a:fillRef>
-              <a:effectRef idx="0">
-                <a:schemeClr val="accent1"/>
-              </a:effectRef>
-              <a:fontRef idx="minor">
-                <a:schemeClr val="tx1"/>
-              </a:fontRef>
-            </p:style>
-          </p:cxnSp>
-        </p:grpSp>
+            <a:prstGeom prst="roundRect">
+              <a:avLst/>
+            </a:prstGeom>
+          </p:spPr>
+          <p:style>
+            <a:lnRef idx="2">
+              <a:schemeClr val="accent1">
+                <a:shade val="50000"/>
+              </a:schemeClr>
+            </a:lnRef>
+            <a:fillRef idx="1">
+              <a:schemeClr val="accent1"/>
+            </a:fillRef>
+            <a:effectRef idx="0">
+              <a:schemeClr val="accent1"/>
+            </a:effectRef>
+            <a:fontRef idx="minor">
+              <a:schemeClr val="lt1"/>
+            </a:fontRef>
+          </p:style>
+          <p:txBody>
+            <a:bodyPr rtlCol="0" anchor="ctr"/>
+            <a:lstStyle/>
+            <a:p>
+              <a:pPr algn="ctr"/>
+              <a:r>
+                <a:rPr lang="en-SG" sz="1400" u="sng" dirty="0"/>
+                <a:t>HIGH</a:t>
+              </a:r>
+              <a:endParaRPr lang="en-US" sz="1400" u="sng" dirty="0"/>
+            </a:p>
+          </p:txBody>
+        </p:sp>
         <p:sp>
           <p:nvSpPr>
-            <p:cNvPr id="58" name="TextBox 57">
+            <p:cNvPr id="54" name="Rectangle: Rounded Corners 53">
               <a:extLst>
                 <a:ext uri="{FF2B5EF4-FFF2-40B4-BE49-F238E27FC236}">
-                  <a16:creationId xmlns:a16="http://schemas.microsoft.com/office/drawing/2014/main" id="{8DFCABA5-1816-4A5E-918C-09A03299F0CF}"/>
+                  <a16:creationId xmlns:a16="http://schemas.microsoft.com/office/drawing/2014/main" id="{09901ACF-3447-457C-B593-A8C9BE51B8BE}"/>
+                </a:ext>
+              </a:extLst>
+            </p:cNvPr>
+            <p:cNvSpPr/>
+            <p:nvPr/>
+          </p:nvSpPr>
+          <p:spPr>
+            <a:xfrm>
+              <a:off x="4561327" y="2646718"/>
+              <a:ext cx="723900" cy="383214"/>
+            </a:xfrm>
+            <a:prstGeom prst="roundRect">
+              <a:avLst/>
+            </a:prstGeom>
+          </p:spPr>
+          <p:style>
+            <a:lnRef idx="2">
+              <a:schemeClr val="accent1">
+                <a:shade val="50000"/>
+              </a:schemeClr>
+            </a:lnRef>
+            <a:fillRef idx="1">
+              <a:schemeClr val="accent1"/>
+            </a:fillRef>
+            <a:effectRef idx="0">
+              <a:schemeClr val="accent1"/>
+            </a:effectRef>
+            <a:fontRef idx="minor">
+              <a:schemeClr val="lt1"/>
+            </a:fontRef>
+          </p:style>
+          <p:txBody>
+            <a:bodyPr rtlCol="0" anchor="ctr"/>
+            <a:lstStyle/>
+            <a:p>
+              <a:pPr algn="ctr"/>
+              <a:r>
+                <a:rPr lang="en-SG" sz="1400" u="sng" dirty="0"/>
+                <a:t>LOW</a:t>
+              </a:r>
+              <a:endParaRPr lang="en-US" sz="1400" u="sng" dirty="0"/>
+            </a:p>
+          </p:txBody>
+        </p:sp>
+        <p:sp>
+          <p:nvSpPr>
+            <p:cNvPr id="56" name="Rectangle: Rounded Corners 55">
+              <a:extLst>
+                <a:ext uri="{FF2B5EF4-FFF2-40B4-BE49-F238E27FC236}">
+                  <a16:creationId xmlns:a16="http://schemas.microsoft.com/office/drawing/2014/main" id="{9F0C6326-4A88-4BA6-BF1C-FD7381DCCBF3}"/>
+                </a:ext>
+              </a:extLst>
+            </p:cNvPr>
+            <p:cNvSpPr/>
+            <p:nvPr/>
+          </p:nvSpPr>
+          <p:spPr>
+            <a:xfrm>
+              <a:off x="7361830" y="2646718"/>
+              <a:ext cx="723900" cy="383214"/>
+            </a:xfrm>
+            <a:prstGeom prst="roundRect">
+              <a:avLst/>
+            </a:prstGeom>
+          </p:spPr>
+          <p:style>
+            <a:lnRef idx="2">
+              <a:schemeClr val="accent1">
+                <a:shade val="50000"/>
+              </a:schemeClr>
+            </a:lnRef>
+            <a:fillRef idx="1">
+              <a:schemeClr val="accent1"/>
+            </a:fillRef>
+            <a:effectRef idx="0">
+              <a:schemeClr val="accent1"/>
+            </a:effectRef>
+            <a:fontRef idx="minor">
+              <a:schemeClr val="lt1"/>
+            </a:fontRef>
+          </p:style>
+          <p:txBody>
+            <a:bodyPr rtlCol="0" anchor="ctr"/>
+            <a:lstStyle/>
+            <a:p>
+              <a:pPr algn="ctr"/>
+              <a:r>
+                <a:rPr lang="en-SG" sz="1400" u="sng" dirty="0"/>
+                <a:t>HIGH</a:t>
+              </a:r>
+              <a:endParaRPr lang="en-US" sz="1400" u="sng" dirty="0"/>
+            </a:p>
+          </p:txBody>
+        </p:sp>
+        <p:cxnSp>
+          <p:nvCxnSpPr>
+            <p:cNvPr id="57" name="Straight Arrow Connector 56">
+              <a:extLst>
+                <a:ext uri="{FF2B5EF4-FFF2-40B4-BE49-F238E27FC236}">
+                  <a16:creationId xmlns:a16="http://schemas.microsoft.com/office/drawing/2014/main" id="{9EFAA81F-574A-40D8-9414-41C35BFC9B8E}"/>
+                </a:ext>
+              </a:extLst>
+            </p:cNvPr>
+            <p:cNvCxnSpPr>
+              <a:stCxn id="53" idx="3"/>
+              <a:endCxn id="54" idx="1"/>
+            </p:cNvCxnSpPr>
+            <p:nvPr/>
+          </p:nvCxnSpPr>
+          <p:spPr>
+            <a:xfrm>
+              <a:off x="4076226" y="2838325"/>
+              <a:ext cx="485101" cy="0"/>
+            </a:xfrm>
+            <a:prstGeom prst="straightConnector1">
+              <a:avLst/>
+            </a:prstGeom>
+            <a:ln>
+              <a:tailEnd type="triangle"/>
+            </a:ln>
+          </p:spPr>
+          <p:style>
+            <a:lnRef idx="1">
+              <a:schemeClr val="accent1"/>
+            </a:lnRef>
+            <a:fillRef idx="0">
+              <a:schemeClr val="accent1"/>
+            </a:fillRef>
+            <a:effectRef idx="0">
+              <a:schemeClr val="accent1"/>
+            </a:effectRef>
+            <a:fontRef idx="minor">
+              <a:schemeClr val="tx1"/>
+            </a:fontRef>
+          </p:style>
+        </p:cxnSp>
+        <p:cxnSp>
+          <p:nvCxnSpPr>
+            <p:cNvPr id="59" name="Straight Arrow Connector 58">
+              <a:extLst>
+                <a:ext uri="{FF2B5EF4-FFF2-40B4-BE49-F238E27FC236}">
+                  <a16:creationId xmlns:a16="http://schemas.microsoft.com/office/drawing/2014/main" id="{B6CB8093-925F-428A-848B-F755CE25E852}"/>
+                </a:ext>
+              </a:extLst>
+            </p:cNvPr>
+            <p:cNvCxnSpPr>
+              <a:cxnSpLocks/>
+              <a:stCxn id="54" idx="3"/>
+              <a:endCxn id="56" idx="1"/>
+            </p:cNvCxnSpPr>
+            <p:nvPr/>
+          </p:nvCxnSpPr>
+          <p:spPr>
+            <a:xfrm>
+              <a:off x="5285227" y="2838325"/>
+              <a:ext cx="2076603" cy="0"/>
+            </a:xfrm>
+            <a:prstGeom prst="straightConnector1">
+              <a:avLst/>
+            </a:prstGeom>
+            <a:ln>
+              <a:tailEnd type="triangle"/>
+            </a:ln>
+          </p:spPr>
+          <p:style>
+            <a:lnRef idx="1">
+              <a:schemeClr val="accent1"/>
+            </a:lnRef>
+            <a:fillRef idx="0">
+              <a:schemeClr val="accent1"/>
+            </a:fillRef>
+            <a:effectRef idx="0">
+              <a:schemeClr val="accent1"/>
+            </a:effectRef>
+            <a:fontRef idx="minor">
+              <a:schemeClr val="tx1"/>
+            </a:fontRef>
+          </p:style>
+        </p:cxnSp>
+        <p:sp>
+          <p:nvSpPr>
+            <p:cNvPr id="61" name="TextBox 60">
+              <a:extLst>
+                <a:ext uri="{FF2B5EF4-FFF2-40B4-BE49-F238E27FC236}">
+                  <a16:creationId xmlns:a16="http://schemas.microsoft.com/office/drawing/2014/main" id="{2C92C7E0-AC0D-4861-9F86-E79511CD4186}"/>
                 </a:ext>
               </a:extLst>
             </p:cNvPr>
@@ -6181,7 +6169,7 @@
           </p:nvSpPr>
           <p:spPr>
             <a:xfrm>
-              <a:off x="1209094" y="3396382"/>
+              <a:off x="2717179" y="2699825"/>
               <a:ext cx="545855" cy="276999"/>
             </a:xfrm>
             <a:prstGeom prst="rect">
@@ -6206,10 +6194,10 @@
         </p:sp>
         <p:cxnSp>
           <p:nvCxnSpPr>
-            <p:cNvPr id="60" name="Straight Connector 59">
+            <p:cNvPr id="65" name="Straight Connector 64">
               <a:extLst>
                 <a:ext uri="{FF2B5EF4-FFF2-40B4-BE49-F238E27FC236}">
-                  <a16:creationId xmlns:a16="http://schemas.microsoft.com/office/drawing/2014/main" id="{D06E9835-8257-4A2E-B701-E8B186A16594}"/>
+                  <a16:creationId xmlns:a16="http://schemas.microsoft.com/office/drawing/2014/main" id="{515718C9-C551-456E-95A6-D14D947EA221}"/>
                 </a:ext>
               </a:extLst>
             </p:cNvPr>
@@ -6220,7 +6208,7 @@
           </p:nvCxnSpPr>
           <p:spPr>
             <a:xfrm>
-              <a:off x="5966213" y="3164614"/>
+              <a:off x="7936879" y="2468057"/>
               <a:ext cx="0" cy="835886"/>
             </a:xfrm>
             <a:prstGeom prst="line">
@@ -6247,10 +6235,10 @@
         </p:cxnSp>
         <p:sp>
           <p:nvSpPr>
-            <p:cNvPr id="62" name="TextBox 61">
+            <p:cNvPr id="66" name="TextBox 65">
               <a:extLst>
                 <a:ext uri="{FF2B5EF4-FFF2-40B4-BE49-F238E27FC236}">
-                  <a16:creationId xmlns:a16="http://schemas.microsoft.com/office/drawing/2014/main" id="{8918B2D3-E7D9-444D-B6E3-54238A0D0CD0}"/>
+                  <a16:creationId xmlns:a16="http://schemas.microsoft.com/office/drawing/2014/main" id="{F18DC7B5-030D-40E6-9924-316C66A1AC32}"/>
                 </a:ext>
               </a:extLst>
             </p:cNvPr>
@@ -6259,7 +6247,7 @@
           </p:nvSpPr>
           <p:spPr>
             <a:xfrm>
-              <a:off x="6075550" y="3242493"/>
+              <a:off x="8336674" y="2545936"/>
               <a:ext cx="1088760" cy="584775"/>
             </a:xfrm>
             <a:prstGeom prst="rect">
@@ -6305,6 +6293,474 @@
             </a:p>
           </p:txBody>
         </p:sp>
+        <p:grpSp>
+          <p:nvGrpSpPr>
+            <p:cNvPr id="67" name="Group 66">
+              <a:extLst>
+                <a:ext uri="{FF2B5EF4-FFF2-40B4-BE49-F238E27FC236}">
+                  <a16:creationId xmlns:a16="http://schemas.microsoft.com/office/drawing/2014/main" id="{82416142-804F-4E5B-B9E5-FAF9EFE1D33F}"/>
+                </a:ext>
+              </a:extLst>
+            </p:cNvPr>
+            <p:cNvGrpSpPr/>
+            <p:nvPr/>
+          </p:nvGrpSpPr>
+          <p:grpSpPr>
+            <a:xfrm>
+              <a:off x="4269200" y="1103184"/>
+              <a:ext cx="550215" cy="2916491"/>
+              <a:chOff x="4269200" y="1103184"/>
+              <a:chExt cx="550215" cy="3588772"/>
+            </a:xfrm>
+          </p:grpSpPr>
+          <p:cxnSp>
+            <p:nvCxnSpPr>
+              <p:cNvPr id="78" name="Straight Connector 77">
+                <a:extLst>
+                  <a:ext uri="{FF2B5EF4-FFF2-40B4-BE49-F238E27FC236}">
+                    <a16:creationId xmlns:a16="http://schemas.microsoft.com/office/drawing/2014/main" id="{7F5EDFF1-E5C0-4D82-BAB2-EE925323AEE9}"/>
+                  </a:ext>
+                </a:extLst>
+              </p:cNvPr>
+              <p:cNvCxnSpPr/>
+              <p:nvPr/>
+            </p:nvCxnSpPr>
+            <p:spPr>
+              <a:xfrm>
+                <a:off x="4545575" y="1103184"/>
+                <a:ext cx="0" cy="3087068"/>
+              </a:xfrm>
+              <a:prstGeom prst="line">
+                <a:avLst/>
+              </a:prstGeom>
+              <a:ln>
+                <a:prstDash val="dash"/>
+                <a:headEnd type="none" w="med" len="med"/>
+                <a:tailEnd type="none" w="med" len="med"/>
+              </a:ln>
+            </p:spPr>
+            <p:style>
+              <a:lnRef idx="3">
+                <a:schemeClr val="accent2"/>
+              </a:lnRef>
+              <a:fillRef idx="0">
+                <a:schemeClr val="accent2"/>
+              </a:fillRef>
+              <a:effectRef idx="2">
+                <a:schemeClr val="accent2"/>
+              </a:effectRef>
+              <a:fontRef idx="minor">
+                <a:schemeClr val="tx1"/>
+              </a:fontRef>
+            </p:style>
+          </p:cxnSp>
+          <p:sp>
+            <p:nvSpPr>
+              <p:cNvPr id="79" name="TextBox 78">
+                <a:extLst>
+                  <a:ext uri="{FF2B5EF4-FFF2-40B4-BE49-F238E27FC236}">
+                    <a16:creationId xmlns:a16="http://schemas.microsoft.com/office/drawing/2014/main" id="{CD55FD13-08A3-4366-96ED-72BD5771316F}"/>
+                  </a:ext>
+                </a:extLst>
+              </p:cNvPr>
+              <p:cNvSpPr txBox="1"/>
+              <p:nvPr/>
+            </p:nvSpPr>
+            <p:spPr>
+              <a:xfrm>
+                <a:off x="4269200" y="4168736"/>
+                <a:ext cx="550215" cy="523220"/>
+              </a:xfrm>
+              <a:prstGeom prst="rect">
+                <a:avLst/>
+              </a:prstGeom>
+              <a:noFill/>
+            </p:spPr>
+            <p:txBody>
+              <a:bodyPr wrap="none" rtlCol="0">
+                <a:spAutoFit/>
+              </a:bodyPr>
+              <a:lstStyle/>
+              <a:p>
+                <a:pPr algn="ctr"/>
+                <a:r>
+                  <a:rPr lang="en-SG" sz="1400" dirty="0"/>
+                  <a:t>Read</a:t>
+                </a:r>
+                <a:br>
+                  <a:rPr lang="en-SG" sz="1400" dirty="0"/>
+                </a:br>
+                <a:r>
+                  <a:rPr lang="en-SG" sz="1400" dirty="0"/>
+                  <a:t>SW</a:t>
+                </a:r>
+                <a:endParaRPr lang="en-US" sz="1400" dirty="0"/>
+              </a:p>
+            </p:txBody>
+          </p:sp>
+        </p:grpSp>
+        <p:grpSp>
+          <p:nvGrpSpPr>
+            <p:cNvPr id="68" name="Group 67">
+              <a:extLst>
+                <a:ext uri="{FF2B5EF4-FFF2-40B4-BE49-F238E27FC236}">
+                  <a16:creationId xmlns:a16="http://schemas.microsoft.com/office/drawing/2014/main" id="{119DE803-3DF6-428E-A952-D16D21049FA2}"/>
+                </a:ext>
+              </a:extLst>
+            </p:cNvPr>
+            <p:cNvGrpSpPr/>
+            <p:nvPr/>
+          </p:nvGrpSpPr>
+          <p:grpSpPr>
+            <a:xfrm>
+              <a:off x="5219005" y="1103184"/>
+              <a:ext cx="550215" cy="2916491"/>
+              <a:chOff x="4269200" y="1103184"/>
+              <a:chExt cx="550215" cy="3588772"/>
+            </a:xfrm>
+          </p:grpSpPr>
+          <p:cxnSp>
+            <p:nvCxnSpPr>
+              <p:cNvPr id="76" name="Straight Connector 75">
+                <a:extLst>
+                  <a:ext uri="{FF2B5EF4-FFF2-40B4-BE49-F238E27FC236}">
+                    <a16:creationId xmlns:a16="http://schemas.microsoft.com/office/drawing/2014/main" id="{5D2DBAA1-2E49-4E9B-AD08-D31CD3754EB5}"/>
+                  </a:ext>
+                </a:extLst>
+              </p:cNvPr>
+              <p:cNvCxnSpPr/>
+              <p:nvPr/>
+            </p:nvCxnSpPr>
+            <p:spPr>
+              <a:xfrm>
+                <a:off x="4545575" y="1103184"/>
+                <a:ext cx="0" cy="3087068"/>
+              </a:xfrm>
+              <a:prstGeom prst="line">
+                <a:avLst/>
+              </a:prstGeom>
+              <a:ln>
+                <a:prstDash val="dash"/>
+                <a:headEnd type="none" w="med" len="med"/>
+                <a:tailEnd type="none" w="med" len="med"/>
+              </a:ln>
+            </p:spPr>
+            <p:style>
+              <a:lnRef idx="3">
+                <a:schemeClr val="accent2"/>
+              </a:lnRef>
+              <a:fillRef idx="0">
+                <a:schemeClr val="accent2"/>
+              </a:fillRef>
+              <a:effectRef idx="2">
+                <a:schemeClr val="accent2"/>
+              </a:effectRef>
+              <a:fontRef idx="minor">
+                <a:schemeClr val="tx1"/>
+              </a:fontRef>
+            </p:style>
+          </p:cxnSp>
+          <p:sp>
+            <p:nvSpPr>
+              <p:cNvPr id="77" name="TextBox 76">
+                <a:extLst>
+                  <a:ext uri="{FF2B5EF4-FFF2-40B4-BE49-F238E27FC236}">
+                    <a16:creationId xmlns:a16="http://schemas.microsoft.com/office/drawing/2014/main" id="{FD079715-3EE3-4B07-8320-AAE477E39263}"/>
+                  </a:ext>
+                </a:extLst>
+              </p:cNvPr>
+              <p:cNvSpPr txBox="1"/>
+              <p:nvPr/>
+            </p:nvSpPr>
+            <p:spPr>
+              <a:xfrm>
+                <a:off x="4269200" y="4168736"/>
+                <a:ext cx="550215" cy="523220"/>
+              </a:xfrm>
+              <a:prstGeom prst="rect">
+                <a:avLst/>
+              </a:prstGeom>
+              <a:noFill/>
+            </p:spPr>
+            <p:txBody>
+              <a:bodyPr wrap="none" rtlCol="0">
+                <a:spAutoFit/>
+              </a:bodyPr>
+              <a:lstStyle/>
+              <a:p>
+                <a:pPr algn="ctr"/>
+                <a:r>
+                  <a:rPr lang="en-SG" sz="1400" dirty="0"/>
+                  <a:t>Read</a:t>
+                </a:r>
+                <a:br>
+                  <a:rPr lang="en-SG" sz="1400" dirty="0"/>
+                </a:br>
+                <a:r>
+                  <a:rPr lang="en-SG" sz="1400" dirty="0"/>
+                  <a:t>SW</a:t>
+                </a:r>
+                <a:endParaRPr lang="en-US" sz="1400" dirty="0"/>
+              </a:p>
+            </p:txBody>
+          </p:sp>
+        </p:grpSp>
+        <p:grpSp>
+          <p:nvGrpSpPr>
+            <p:cNvPr id="69" name="Group 68">
+              <a:extLst>
+                <a:ext uri="{FF2B5EF4-FFF2-40B4-BE49-F238E27FC236}">
+                  <a16:creationId xmlns:a16="http://schemas.microsoft.com/office/drawing/2014/main" id="{CC7DED76-9E84-4F76-BD3E-AAA09BA675D3}"/>
+                </a:ext>
+              </a:extLst>
+            </p:cNvPr>
+            <p:cNvGrpSpPr/>
+            <p:nvPr/>
+          </p:nvGrpSpPr>
+          <p:grpSpPr>
+            <a:xfrm>
+              <a:off x="6125027" y="1103184"/>
+              <a:ext cx="550215" cy="2916491"/>
+              <a:chOff x="6297153" y="1103184"/>
+              <a:chExt cx="550215" cy="3588772"/>
+            </a:xfrm>
+          </p:grpSpPr>
+          <p:cxnSp>
+            <p:nvCxnSpPr>
+              <p:cNvPr id="74" name="Straight Connector 73">
+                <a:extLst>
+                  <a:ext uri="{FF2B5EF4-FFF2-40B4-BE49-F238E27FC236}">
+                    <a16:creationId xmlns:a16="http://schemas.microsoft.com/office/drawing/2014/main" id="{2F13F76A-F0C2-4DBC-98E6-C34E672DCF3F}"/>
+                  </a:ext>
+                </a:extLst>
+              </p:cNvPr>
+              <p:cNvCxnSpPr/>
+              <p:nvPr/>
+            </p:nvCxnSpPr>
+            <p:spPr>
+              <a:xfrm>
+                <a:off x="6573528" y="1103184"/>
+                <a:ext cx="0" cy="3087068"/>
+              </a:xfrm>
+              <a:prstGeom prst="line">
+                <a:avLst/>
+              </a:prstGeom>
+              <a:ln>
+                <a:prstDash val="dash"/>
+                <a:headEnd type="none" w="med" len="med"/>
+                <a:tailEnd type="none" w="med" len="med"/>
+              </a:ln>
+            </p:spPr>
+            <p:style>
+              <a:lnRef idx="3">
+                <a:schemeClr val="accent2"/>
+              </a:lnRef>
+              <a:fillRef idx="0">
+                <a:schemeClr val="accent2"/>
+              </a:fillRef>
+              <a:effectRef idx="2">
+                <a:schemeClr val="accent2"/>
+              </a:effectRef>
+              <a:fontRef idx="minor">
+                <a:schemeClr val="tx1"/>
+              </a:fontRef>
+            </p:style>
+          </p:cxnSp>
+          <p:sp>
+            <p:nvSpPr>
+              <p:cNvPr id="75" name="TextBox 74">
+                <a:extLst>
+                  <a:ext uri="{FF2B5EF4-FFF2-40B4-BE49-F238E27FC236}">
+                    <a16:creationId xmlns:a16="http://schemas.microsoft.com/office/drawing/2014/main" id="{F18F2878-CADB-4795-B176-64E886A6905F}"/>
+                  </a:ext>
+                </a:extLst>
+              </p:cNvPr>
+              <p:cNvSpPr txBox="1"/>
+              <p:nvPr/>
+            </p:nvSpPr>
+            <p:spPr>
+              <a:xfrm>
+                <a:off x="6297153" y="4168736"/>
+                <a:ext cx="550215" cy="523220"/>
+              </a:xfrm>
+              <a:prstGeom prst="rect">
+                <a:avLst/>
+              </a:prstGeom>
+              <a:noFill/>
+            </p:spPr>
+            <p:txBody>
+              <a:bodyPr wrap="none" rtlCol="0">
+                <a:spAutoFit/>
+              </a:bodyPr>
+              <a:lstStyle/>
+              <a:p>
+                <a:pPr algn="ctr"/>
+                <a:r>
+                  <a:rPr lang="en-SG" sz="1400" dirty="0"/>
+                  <a:t>Read</a:t>
+                </a:r>
+                <a:br>
+                  <a:rPr lang="en-SG" sz="1400" dirty="0"/>
+                </a:br>
+                <a:r>
+                  <a:rPr lang="en-SG" sz="1400" dirty="0"/>
+                  <a:t>SW</a:t>
+                </a:r>
+                <a:endParaRPr lang="en-US" sz="1400" dirty="0"/>
+              </a:p>
+            </p:txBody>
+          </p:sp>
+        </p:grpSp>
+        <p:grpSp>
+          <p:nvGrpSpPr>
+            <p:cNvPr id="70" name="Group 69">
+              <a:extLst>
+                <a:ext uri="{FF2B5EF4-FFF2-40B4-BE49-F238E27FC236}">
+                  <a16:creationId xmlns:a16="http://schemas.microsoft.com/office/drawing/2014/main" id="{1D4AC54D-9C39-438C-8228-965C2CC335AD}"/>
+                </a:ext>
+              </a:extLst>
+            </p:cNvPr>
+            <p:cNvGrpSpPr/>
+            <p:nvPr/>
+          </p:nvGrpSpPr>
+          <p:grpSpPr>
+            <a:xfrm>
+              <a:off x="7061838" y="1103184"/>
+              <a:ext cx="550215" cy="2916491"/>
+              <a:chOff x="7061838" y="1103184"/>
+              <a:chExt cx="550215" cy="3588772"/>
+            </a:xfrm>
+          </p:grpSpPr>
+          <p:cxnSp>
+            <p:nvCxnSpPr>
+              <p:cNvPr id="72" name="Straight Connector 71">
+                <a:extLst>
+                  <a:ext uri="{FF2B5EF4-FFF2-40B4-BE49-F238E27FC236}">
+                    <a16:creationId xmlns:a16="http://schemas.microsoft.com/office/drawing/2014/main" id="{6966F350-DD5A-4436-9669-22D4810C88ED}"/>
+                  </a:ext>
+                </a:extLst>
+              </p:cNvPr>
+              <p:cNvCxnSpPr/>
+              <p:nvPr/>
+            </p:nvCxnSpPr>
+            <p:spPr>
+              <a:xfrm>
+                <a:off x="7338213" y="1103184"/>
+                <a:ext cx="0" cy="3087068"/>
+              </a:xfrm>
+              <a:prstGeom prst="line">
+                <a:avLst/>
+              </a:prstGeom>
+              <a:ln>
+                <a:prstDash val="dash"/>
+                <a:headEnd type="none" w="med" len="med"/>
+                <a:tailEnd type="none" w="med" len="med"/>
+              </a:ln>
+            </p:spPr>
+            <p:style>
+              <a:lnRef idx="3">
+                <a:schemeClr val="accent2"/>
+              </a:lnRef>
+              <a:fillRef idx="0">
+                <a:schemeClr val="accent2"/>
+              </a:fillRef>
+              <a:effectRef idx="2">
+                <a:schemeClr val="accent2"/>
+              </a:effectRef>
+              <a:fontRef idx="minor">
+                <a:schemeClr val="tx1"/>
+              </a:fontRef>
+            </p:style>
+          </p:cxnSp>
+          <p:sp>
+            <p:nvSpPr>
+              <p:cNvPr id="73" name="TextBox 72">
+                <a:extLst>
+                  <a:ext uri="{FF2B5EF4-FFF2-40B4-BE49-F238E27FC236}">
+                    <a16:creationId xmlns:a16="http://schemas.microsoft.com/office/drawing/2014/main" id="{BCFE9D16-3C3B-4D5A-9D96-D811F724C094}"/>
+                  </a:ext>
+                </a:extLst>
+              </p:cNvPr>
+              <p:cNvSpPr txBox="1"/>
+              <p:nvPr/>
+            </p:nvSpPr>
+            <p:spPr>
+              <a:xfrm>
+                <a:off x="7061838" y="4168736"/>
+                <a:ext cx="550215" cy="523220"/>
+              </a:xfrm>
+              <a:prstGeom prst="rect">
+                <a:avLst/>
+              </a:prstGeom>
+              <a:noFill/>
+            </p:spPr>
+            <p:txBody>
+              <a:bodyPr wrap="none" rtlCol="0">
+                <a:spAutoFit/>
+              </a:bodyPr>
+              <a:lstStyle/>
+              <a:p>
+                <a:pPr algn="ctr"/>
+                <a:r>
+                  <a:rPr lang="en-SG" sz="1400" dirty="0"/>
+                  <a:t>Read</a:t>
+                </a:r>
+                <a:br>
+                  <a:rPr lang="en-SG" sz="1400" dirty="0"/>
+                </a:br>
+                <a:r>
+                  <a:rPr lang="en-SG" sz="1400" dirty="0"/>
+                  <a:t>SW</a:t>
+                </a:r>
+                <a:endParaRPr lang="en-US" sz="1400" dirty="0"/>
+              </a:p>
+            </p:txBody>
+          </p:sp>
+        </p:grpSp>
+        <p:sp>
+          <p:nvSpPr>
+            <p:cNvPr id="71" name="TextBox 70">
+              <a:extLst>
+                <a:ext uri="{FF2B5EF4-FFF2-40B4-BE49-F238E27FC236}">
+                  <a16:creationId xmlns:a16="http://schemas.microsoft.com/office/drawing/2014/main" id="{7E05BB62-18D4-4178-9C82-35FC5DDD7340}"/>
+                </a:ext>
+              </a:extLst>
+            </p:cNvPr>
+            <p:cNvSpPr txBox="1"/>
+            <p:nvPr/>
+          </p:nvSpPr>
+          <p:spPr>
+            <a:xfrm>
+              <a:off x="8336674" y="3543347"/>
+              <a:ext cx="1198118" cy="523220"/>
+            </a:xfrm>
+            <a:prstGeom prst="rect">
+              <a:avLst/>
+            </a:prstGeom>
+            <a:noFill/>
+          </p:spPr>
+          <p:txBody>
+            <a:bodyPr wrap="square" rtlCol="0">
+              <a:spAutoFit/>
+            </a:bodyPr>
+            <a:lstStyle/>
+            <a:p>
+              <a:r>
+                <a:rPr lang="en-SG" sz="1400" dirty="0">
+                  <a:solidFill>
+                    <a:srgbClr val="FF0000"/>
+                  </a:solidFill>
+                </a:rPr>
+                <a:t>Reading of SW in loop()</a:t>
+              </a:r>
+              <a:endParaRPr lang="en-US" sz="1400" dirty="0">
+                <a:solidFill>
+                  <a:srgbClr val="FF0000"/>
+                </a:solidFill>
+              </a:endParaRPr>
+            </a:p>
+          </p:txBody>
+        </p:sp>
       </p:grpSp>
     </p:spTree>
     <p:extLst>
@@ -6460,13 +6916,51 @@
           </a:p>
         </p:txBody>
       </p:sp>
+      <p:sp>
+        <p:nvSpPr>
+          <p:cNvPr id="7" name="TextBox 6">
+            <a:extLst>
+              <a:ext uri="{FF2B5EF4-FFF2-40B4-BE49-F238E27FC236}">
+                <a16:creationId xmlns:a16="http://schemas.microsoft.com/office/drawing/2014/main" id="{26A05254-63B8-476C-86BE-ED0B9A598604}"/>
+              </a:ext>
+            </a:extLst>
+          </p:cNvPr>
+          <p:cNvSpPr txBox="1"/>
+          <p:nvPr/>
+        </p:nvSpPr>
+        <p:spPr>
+          <a:xfrm>
+            <a:off x="1385776" y="6005096"/>
+            <a:ext cx="3027047" cy="338554"/>
+          </a:xfrm>
+          <a:prstGeom prst="rect">
+            <a:avLst/>
+          </a:prstGeom>
+          <a:noFill/>
+        </p:spPr>
+        <p:txBody>
+          <a:bodyPr wrap="none" rtlCol="0">
+            <a:spAutoFit/>
+          </a:bodyPr>
+          <a:lstStyle/>
+          <a:p>
+            <a:pPr algn="l"/>
+            <a:r>
+              <a:rPr lang="en-SG" sz="1600" dirty="0">
+                <a:hlinkClick r:id="rId2"/>
+              </a:rPr>
+              <a:t>Reading a Pushbutton using states</a:t>
+            </a:r>
+            <a:endParaRPr lang="en-US" sz="1600" dirty="0"/>
+          </a:p>
+        </p:txBody>
+      </p:sp>
       <p:pic>
         <p:nvPicPr>
-          <p:cNvPr id="5" name="Picture 4">
-            <a:hlinkClick r:id="rId2"/>
+          <p:cNvPr id="8" name="Picture 7">
             <a:extLst>
               <a:ext uri="{FF2B5EF4-FFF2-40B4-BE49-F238E27FC236}">
-                <a16:creationId xmlns:a16="http://schemas.microsoft.com/office/drawing/2014/main" id="{2ADA3D06-56DF-49FF-9D7F-F54FFD8D64BF}"/>
+                <a16:creationId xmlns:a16="http://schemas.microsoft.com/office/drawing/2014/main" id="{2D2559DC-BBA2-4183-B210-EAA759F9A779}"/>
               </a:ext>
             </a:extLst>
           </p:cNvPr>
@@ -6483,53 +6977,14 @@
         </p:blipFill>
         <p:spPr>
           <a:xfrm>
-            <a:off x="4412823" y="1204912"/>
-            <a:ext cx="3921551" cy="5110163"/>
+            <a:off x="4768496" y="1264340"/>
+            <a:ext cx="3746854" cy="4740756"/>
           </a:xfrm>
           <a:prstGeom prst="rect">
             <a:avLst/>
           </a:prstGeom>
         </p:spPr>
       </p:pic>
-      <p:sp>
-        <p:nvSpPr>
-          <p:cNvPr id="7" name="TextBox 6">
-            <a:extLst>
-              <a:ext uri="{FF2B5EF4-FFF2-40B4-BE49-F238E27FC236}">
-                <a16:creationId xmlns:a16="http://schemas.microsoft.com/office/drawing/2014/main" id="{26A05254-63B8-476C-86BE-ED0B9A598604}"/>
-              </a:ext>
-            </a:extLst>
-          </p:cNvPr>
-          <p:cNvSpPr txBox="1"/>
-          <p:nvPr/>
-        </p:nvSpPr>
-        <p:spPr>
-          <a:xfrm>
-            <a:off x="1385776" y="6005096"/>
-            <a:ext cx="3027047" cy="338554"/>
-          </a:xfrm>
-          <a:prstGeom prst="rect">
-            <a:avLst/>
-          </a:prstGeom>
-          <a:noFill/>
-        </p:spPr>
-        <p:txBody>
-          <a:bodyPr wrap="none" rtlCol="0">
-            <a:spAutoFit/>
-          </a:bodyPr>
-          <a:lstStyle/>
-          <a:p>
-            <a:pPr algn="l"/>
-            <a:r>
-              <a:rPr lang="en-SG" sz="1600" dirty="0">
-                <a:hlinkClick r:id="rId2"/>
-              </a:rPr>
-              <a:t>Reading a Pushbutton using states</a:t>
-            </a:r>
-            <a:endParaRPr lang="en-US" sz="1600" dirty="0"/>
-          </a:p>
-        </p:txBody>
-      </p:sp>
     </p:spTree>
     <p:extLst>
       <p:ext uri="{BB962C8B-B14F-4D97-AF65-F5344CB8AC3E}">
@@ -6565,7 +7020,7 @@
           <p:cNvPr id="2" name="Title 1">
             <a:extLst>
               <a:ext uri="{FF2B5EF4-FFF2-40B4-BE49-F238E27FC236}">
-                <a16:creationId xmlns:a16="http://schemas.microsoft.com/office/drawing/2014/main" id="{1F1A4DE1-0050-44A9-B316-089CDA4A46F1}"/>
+                <a16:creationId xmlns:a16="http://schemas.microsoft.com/office/drawing/2014/main" id="{A4E88618-CC8E-40E6-9598-13EAB248C6E1}"/>
               </a:ext>
             </a:extLst>
           </p:cNvPr>
@@ -6583,82 +7038,72 @@
           <a:p>
             <a:r>
               <a:rPr lang="en-SG" dirty="0"/>
-              <a:t>Assignment: Programming</a:t>
+              <a:t>Using Serial to check what’s happening</a:t>
             </a:r>
             <a:endParaRPr lang="en-US" dirty="0"/>
           </a:p>
         </p:txBody>
       </p:sp>
-      <p:sp>
-        <p:nvSpPr>
-          <p:cNvPr id="3" name="Content Placeholder 2">
+      <p:pic>
+        <p:nvPicPr>
+          <p:cNvPr id="10" name="Content Placeholder 9">
             <a:extLst>
               <a:ext uri="{FF2B5EF4-FFF2-40B4-BE49-F238E27FC236}">
-                <a16:creationId xmlns:a16="http://schemas.microsoft.com/office/drawing/2014/main" id="{A5EDED9D-C897-481F-B2B0-3770926AD03D}"/>
+                <a16:creationId xmlns:a16="http://schemas.microsoft.com/office/drawing/2014/main" id="{2AF6F02B-6E53-4F11-A7CA-C7EC8BF5F2C7}"/>
               </a:ext>
             </a:extLst>
           </p:cNvPr>
-          <p:cNvSpPr>
-            <a:spLocks noGrp="1"/>
-          </p:cNvSpPr>
-          <p:nvPr>
-            <p:ph idx="1"/>
-          </p:nvPr>
-        </p:nvSpPr>
-        <p:spPr/>
-        <p:txBody>
-          <a:bodyPr/>
-          <a:lstStyle/>
-          <a:p>
-            <a:r>
-              <a:rPr lang="en-SG" sz="2400" dirty="0"/>
-              <a:t>Work out </a:t>
-            </a:r>
-            <a:r>
-              <a:rPr lang="en-SG" sz="2400" dirty="0">
-                <a:hlinkClick r:id="rId2"/>
-              </a:rPr>
-              <a:t>Assignment 12 Introduction to Arduino Programming</a:t>
-            </a:r>
-            <a:r>
-              <a:rPr lang="en-SG" sz="2400" dirty="0"/>
-              <a:t> using </a:t>
-            </a:r>
-            <a:r>
-              <a:rPr lang="en-SG" sz="2400" dirty="0" err="1"/>
-              <a:t>TinkerCAD</a:t>
-            </a:r>
-            <a:r>
-              <a:rPr lang="en-SG" sz="2400" dirty="0"/>
-              <a:t>.</a:t>
-            </a:r>
-          </a:p>
-          <a:p>
-            <a:r>
-              <a:rPr lang="en-US" sz="2400" dirty="0"/>
-              <a:t>Simulate your solution using </a:t>
-            </a:r>
-            <a:r>
-              <a:rPr lang="en-US" sz="2400" dirty="0" err="1"/>
-              <a:t>TinkerCAD</a:t>
-            </a:r>
-            <a:r>
-              <a:rPr lang="en-US" sz="2400" dirty="0"/>
-              <a:t>.</a:t>
-            </a:r>
-            <a:br>
-              <a:rPr lang="en-US" sz="2400" dirty="0"/>
-            </a:br>
-            <a:r>
-              <a:rPr lang="en-US" sz="2400" dirty="0"/>
-              <a:t>Use Serial to display messages showing the states and to show that you know how to use the library and the serial monitor.</a:t>
-            </a:r>
-          </a:p>
-          <a:p>
-            <a:r>
-              <a:rPr lang="en-US" sz="2400" dirty="0"/>
-              <a:t>Document your work on your site.</a:t>
-            </a:r>
+          <p:cNvPicPr>
+            <a:picLocks noGrp="1" noChangeAspect="1"/>
+          </p:cNvPicPr>
+          <p:nvPr>
+            <p:ph sz="half" idx="1"/>
+          </p:nvPr>
+        </p:nvPicPr>
+        <p:blipFill>
+          <a:blip r:embed="rId2"/>
+          <a:stretch>
+            <a:fillRect/>
+          </a:stretch>
+        </p:blipFill>
+        <p:spPr>
+          <a:xfrm>
+            <a:off x="283464" y="1354766"/>
+            <a:ext cx="3537213" cy="5138108"/>
+          </a:xfrm>
+        </p:spPr>
+      </p:pic>
+      <p:sp>
+        <p:nvSpPr>
+          <p:cNvPr id="6" name="Content Placeholder 5">
+            <a:extLst>
+              <a:ext uri="{FF2B5EF4-FFF2-40B4-BE49-F238E27FC236}">
+                <a16:creationId xmlns:a16="http://schemas.microsoft.com/office/drawing/2014/main" id="{64AF94C6-1EE2-4493-A3DB-FD7EF1A95C1A}"/>
+              </a:ext>
+            </a:extLst>
+          </p:cNvPr>
+          <p:cNvSpPr>
+            <a:spLocks noGrp="1"/>
+          </p:cNvSpPr>
+          <p:nvPr>
+            <p:ph sz="half" idx="2"/>
+          </p:nvPr>
+        </p:nvSpPr>
+        <p:spPr>
+          <a:xfrm>
+            <a:off x="4069080" y="1825625"/>
+            <a:ext cx="4446270" cy="634111"/>
+          </a:xfrm>
+        </p:spPr>
+        <p:txBody>
+          <a:bodyPr/>
+          <a:lstStyle/>
+          <a:p>
+            <a:r>
+              <a:rPr lang="en-SG" sz="2000" dirty="0"/>
+              <a:t>Serial Monitor output</a:t>
+            </a:r>
+            <a:endParaRPr lang="en-US" sz="2000" dirty="0"/>
           </a:p>
         </p:txBody>
       </p:sp>
@@ -6667,7 +7112,7 @@
           <p:cNvPr id="4" name="Slide Number Placeholder 3">
             <a:extLst>
               <a:ext uri="{FF2B5EF4-FFF2-40B4-BE49-F238E27FC236}">
-                <a16:creationId xmlns:a16="http://schemas.microsoft.com/office/drawing/2014/main" id="{586805C0-B046-4BEE-9BFF-AE1586F38318}"/>
+                <a16:creationId xmlns:a16="http://schemas.microsoft.com/office/drawing/2014/main" id="{7EBC614B-C5EE-4356-9E3D-326515CB76E4}"/>
               </a:ext>
             </a:extLst>
           </p:cNvPr>
@@ -6691,10 +7136,86 @@
           </a:p>
         </p:txBody>
       </p:sp>
+      <p:pic>
+        <p:nvPicPr>
+          <p:cNvPr id="12" name="Picture 11">
+            <a:hlinkClick r:id="rId3"/>
+            <a:extLst>
+              <a:ext uri="{FF2B5EF4-FFF2-40B4-BE49-F238E27FC236}">
+                <a16:creationId xmlns:a16="http://schemas.microsoft.com/office/drawing/2014/main" id="{58FB9396-B114-4244-8A89-6DAFBB387671}"/>
+              </a:ext>
+            </a:extLst>
+          </p:cNvPr>
+          <p:cNvPicPr>
+            <a:picLocks noChangeAspect="1"/>
+          </p:cNvPicPr>
+          <p:nvPr/>
+        </p:nvPicPr>
+        <p:blipFill>
+          <a:blip r:embed="rId4"/>
+          <a:stretch>
+            <a:fillRect/>
+          </a:stretch>
+        </p:blipFill>
+        <p:spPr>
+          <a:xfrm>
+            <a:off x="3948693" y="2228850"/>
+            <a:ext cx="4972050" cy="2400300"/>
+          </a:xfrm>
+          <a:prstGeom prst="rect">
+            <a:avLst/>
+          </a:prstGeom>
+        </p:spPr>
+      </p:pic>
+      <p:sp>
+        <p:nvSpPr>
+          <p:cNvPr id="13" name="TextBox 12">
+            <a:extLst>
+              <a:ext uri="{FF2B5EF4-FFF2-40B4-BE49-F238E27FC236}">
+                <a16:creationId xmlns:a16="http://schemas.microsoft.com/office/drawing/2014/main" id="{66A3C2B7-D8CE-4FA7-A2A4-CAD163408939}"/>
+              </a:ext>
+            </a:extLst>
+          </p:cNvPr>
+          <p:cNvSpPr txBox="1"/>
+          <p:nvPr/>
+        </p:nvSpPr>
+        <p:spPr>
+          <a:xfrm>
+            <a:off x="3820677" y="4693821"/>
+            <a:ext cx="1985928" cy="338554"/>
+          </a:xfrm>
+          <a:prstGeom prst="rect">
+            <a:avLst/>
+          </a:prstGeom>
+          <a:noFill/>
+        </p:spPr>
+        <p:txBody>
+          <a:bodyPr wrap="none" rtlCol="0">
+            <a:spAutoFit/>
+          </a:bodyPr>
+          <a:lstStyle/>
+          <a:p>
+            <a:pPr algn="l"/>
+            <a:r>
+              <a:rPr lang="en-SG" sz="1600" dirty="0" err="1">
+                <a:hlinkClick r:id="rId3"/>
+              </a:rPr>
+              <a:t>TinkerCAD</a:t>
+            </a:r>
+            <a:r>
+              <a:rPr lang="en-SG" sz="1600" dirty="0">
+                <a:hlinkClick r:id="rId3"/>
+              </a:rPr>
+              <a:t> Simulation</a:t>
+            </a:r>
+            <a:endParaRPr lang="en-US" sz="1600" dirty="0"/>
+          </a:p>
+        </p:txBody>
+      </p:sp>
     </p:spTree>
     <p:extLst>
       <p:ext uri="{BB962C8B-B14F-4D97-AF65-F5344CB8AC3E}">
-        <p14:creationId xmlns:p14="http://schemas.microsoft.com/office/powerpoint/2010/main" val="1618769292"/>
+        <p14:creationId xmlns:p14="http://schemas.microsoft.com/office/powerpoint/2010/main" val="1220597648"/>
       </p:ext>
     </p:extLst>
   </p:cSld>
@@ -6862,6 +7383,231 @@
 </file>
 
 <file path=ppt/slides/slide20.xml><?xml version="1.0" encoding="utf-8"?>
+<p:sld xmlns:a="http://schemas.openxmlformats.org/drawingml/2006/main" xmlns:r="http://schemas.openxmlformats.org/officeDocument/2006/relationships" xmlns:p="http://schemas.openxmlformats.org/presentationml/2006/main">
+  <p:cSld>
+    <p:spTree>
+      <p:nvGrpSpPr>
+        <p:cNvPr id="1" name=""/>
+        <p:cNvGrpSpPr/>
+        <p:nvPr/>
+      </p:nvGrpSpPr>
+      <p:grpSpPr>
+        <a:xfrm>
+          <a:off x="0" y="0"/>
+          <a:ext cx="0" cy="0"/>
+          <a:chOff x="0" y="0"/>
+          <a:chExt cx="0" cy="0"/>
+        </a:xfrm>
+      </p:grpSpPr>
+      <p:sp>
+        <p:nvSpPr>
+          <p:cNvPr id="2" name="Title 1">
+            <a:extLst>
+              <a:ext uri="{FF2B5EF4-FFF2-40B4-BE49-F238E27FC236}">
+                <a16:creationId xmlns:a16="http://schemas.microsoft.com/office/drawing/2014/main" id="{1F1A4DE1-0050-44A9-B316-089CDA4A46F1}"/>
+              </a:ext>
+            </a:extLst>
+          </p:cNvPr>
+          <p:cNvSpPr>
+            <a:spLocks noGrp="1"/>
+          </p:cNvSpPr>
+          <p:nvPr>
+            <p:ph type="title"/>
+          </p:nvPr>
+        </p:nvSpPr>
+        <p:spPr/>
+        <p:txBody>
+          <a:bodyPr/>
+          <a:lstStyle/>
+          <a:p>
+            <a:r>
+              <a:rPr lang="en-SG" dirty="0"/>
+              <a:t>Assignment: Programming</a:t>
+            </a:r>
+            <a:endParaRPr lang="en-US" dirty="0"/>
+          </a:p>
+        </p:txBody>
+      </p:sp>
+      <p:sp>
+        <p:nvSpPr>
+          <p:cNvPr id="3" name="Content Placeholder 2">
+            <a:extLst>
+              <a:ext uri="{FF2B5EF4-FFF2-40B4-BE49-F238E27FC236}">
+                <a16:creationId xmlns:a16="http://schemas.microsoft.com/office/drawing/2014/main" id="{A5EDED9D-C897-481F-B2B0-3770926AD03D}"/>
+              </a:ext>
+            </a:extLst>
+          </p:cNvPr>
+          <p:cNvSpPr>
+            <a:spLocks noGrp="1"/>
+          </p:cNvSpPr>
+          <p:nvPr>
+            <p:ph idx="1"/>
+          </p:nvPr>
+        </p:nvSpPr>
+        <p:spPr/>
+        <p:txBody>
+          <a:bodyPr/>
+          <a:lstStyle/>
+          <a:p>
+            <a:r>
+              <a:rPr lang="en-SG" sz="2400" dirty="0"/>
+              <a:t>Work out </a:t>
+            </a:r>
+            <a:r>
+              <a:rPr lang="en-SG" sz="2400" dirty="0">
+                <a:hlinkClick r:id="rId2"/>
+              </a:rPr>
+              <a:t>Assignment 12 Introduction to Arduino Programming</a:t>
+            </a:r>
+            <a:r>
+              <a:rPr lang="en-SG" sz="2400" dirty="0"/>
+              <a:t> using </a:t>
+            </a:r>
+            <a:r>
+              <a:rPr lang="en-SG" sz="2400" dirty="0" err="1"/>
+              <a:t>TinkerCAD</a:t>
+            </a:r>
+            <a:r>
+              <a:rPr lang="en-SG" sz="2400" dirty="0"/>
+              <a:t>.</a:t>
+            </a:r>
+          </a:p>
+          <a:p>
+            <a:r>
+              <a:rPr lang="en-US" sz="2400" dirty="0"/>
+              <a:t>Simulate your solution using </a:t>
+            </a:r>
+            <a:r>
+              <a:rPr lang="en-US" sz="2400" dirty="0" err="1"/>
+              <a:t>TinkerCAD</a:t>
+            </a:r>
+            <a:r>
+              <a:rPr lang="en-US" sz="2400" dirty="0"/>
+              <a:t>.</a:t>
+            </a:r>
+            <a:br>
+              <a:rPr lang="en-US" sz="2400" dirty="0"/>
+            </a:br>
+            <a:r>
+              <a:rPr lang="en-US" sz="2400" dirty="0"/>
+              <a:t>Use Serial to display messages showing the states and to show that you know how to use the library and the serial monitor.</a:t>
+            </a:r>
+          </a:p>
+          <a:p>
+            <a:r>
+              <a:rPr lang="en-US" sz="2400" dirty="0"/>
+              <a:t>Document your work on your site.</a:t>
+            </a:r>
+          </a:p>
+        </p:txBody>
+      </p:sp>
+      <p:sp>
+        <p:nvSpPr>
+          <p:cNvPr id="4" name="Slide Number Placeholder 3">
+            <a:extLst>
+              <a:ext uri="{FF2B5EF4-FFF2-40B4-BE49-F238E27FC236}">
+                <a16:creationId xmlns:a16="http://schemas.microsoft.com/office/drawing/2014/main" id="{586805C0-B046-4BEE-9BFF-AE1586F38318}"/>
+              </a:ext>
+            </a:extLst>
+          </p:cNvPr>
+          <p:cNvSpPr>
+            <a:spLocks noGrp="1"/>
+          </p:cNvSpPr>
+          <p:nvPr>
+            <p:ph type="sldNum" sz="quarter" idx="12"/>
+          </p:nvPr>
+        </p:nvSpPr>
+        <p:spPr/>
+        <p:txBody>
+          <a:bodyPr/>
+          <a:lstStyle/>
+          <a:p>
+            <a:fld id="{CAB166B3-F268-4CEF-878A-CFB0D0D505D3}" type="slidenum">
+              <a:rPr lang="en-US" smtClean="0"/>
+              <a:t>20</a:t>
+            </a:fld>
+            <a:endParaRPr lang="en-US"/>
+          </a:p>
+        </p:txBody>
+      </p:sp>
+      <p:sp>
+        <p:nvSpPr>
+          <p:cNvPr id="6" name="Rectangle: Rounded Corners 5">
+            <a:extLst>
+              <a:ext uri="{FF2B5EF4-FFF2-40B4-BE49-F238E27FC236}">
+                <a16:creationId xmlns:a16="http://schemas.microsoft.com/office/drawing/2014/main" id="{53194AD2-BC88-4DD5-B1E6-7B30FE9F1540}"/>
+              </a:ext>
+            </a:extLst>
+          </p:cNvPr>
+          <p:cNvSpPr/>
+          <p:nvPr/>
+        </p:nvSpPr>
+        <p:spPr>
+          <a:xfrm>
+            <a:off x="3670774" y="4825678"/>
+            <a:ext cx="4549608" cy="1201496"/>
+          </a:xfrm>
+          <a:prstGeom prst="roundRect">
+            <a:avLst/>
+          </a:prstGeom>
+          <a:solidFill>
+            <a:srgbClr val="00B050"/>
+          </a:solidFill>
+          <a:effectLst>
+            <a:outerShdw blurRad="50800" dist="50800" dir="5400000" algn="ctr" rotWithShape="0">
+              <a:schemeClr val="bg2">
+                <a:lumMod val="75000"/>
+              </a:schemeClr>
+            </a:outerShdw>
+          </a:effectLst>
+        </p:spPr>
+        <p:style>
+          <a:lnRef idx="2">
+            <a:schemeClr val="accent1">
+              <a:shade val="50000"/>
+            </a:schemeClr>
+          </a:lnRef>
+          <a:fillRef idx="1">
+            <a:schemeClr val="accent1"/>
+          </a:fillRef>
+          <a:effectRef idx="0">
+            <a:schemeClr val="accent1"/>
+          </a:effectRef>
+          <a:fontRef idx="minor">
+            <a:schemeClr val="lt1"/>
+          </a:fontRef>
+        </p:style>
+        <p:txBody>
+          <a:bodyPr wrap="square" tIns="72000" bIns="72000" rtlCol="0" anchor="ctr">
+            <a:noAutofit/>
+          </a:bodyPr>
+          <a:lstStyle/>
+          <a:p>
+            <a:r>
+              <a:rPr lang="en-SG" sz="1800" dirty="0"/>
+              <a:t>This method is often used in projects. It uses a single Pushbutton Switch to control different functions.</a:t>
+            </a:r>
+            <a:endParaRPr lang="en-US" sz="1800" dirty="0"/>
+          </a:p>
+          <a:p>
+            <a:endParaRPr lang="en-US" dirty="0"/>
+          </a:p>
+        </p:txBody>
+      </p:sp>
+    </p:spTree>
+    <p:extLst>
+      <p:ext uri="{BB962C8B-B14F-4D97-AF65-F5344CB8AC3E}">
+        <p14:creationId xmlns:p14="http://schemas.microsoft.com/office/powerpoint/2010/main" val="1618769292"/>
+      </p:ext>
+    </p:extLst>
+  </p:cSld>
+  <p:clrMapOvr>
+    <a:masterClrMapping/>
+  </p:clrMapOvr>
+</p:sld>
+</file>
+
+<file path=ppt/slides/slide21.xml><?xml version="1.0" encoding="utf-8"?>
 <p:sld xmlns:a="http://schemas.openxmlformats.org/drawingml/2006/main" xmlns:r="http://schemas.openxmlformats.org/officeDocument/2006/relationships" xmlns:p="http://schemas.openxmlformats.org/presentationml/2006/main">
   <p:cSld>
     <p:spTree>
